--- a/lectures3/Pythonlearn-08-Lists-PL.pptx
+++ b/lectures3/Pythonlearn-08-Lists-PL.pptx
@@ -5499,7 +5499,7 @@
               <a:buNone/>
             </a:pPr>
             <a:r>
-              <a:rPr lang="pl" sz="7600" b="0" i="0" u="none" strike="noStrike" cap="none" baseline="0">
+              <a:rPr lang="pl" sz="7600" b="0" i="0" u="none" strike="noStrike" cap="none" baseline="0" dirty="0">
                 <a:solidFill>
                   <a:srgbClr val="FFD966"/>
                 </a:solidFill>

--- a/lectures3/Pythonlearn-08-Lists-PL.pptx
+++ b/lectures3/Pythonlearn-08-Lists-PL.pptx
@@ -573,15 +573,68 @@
               <a:spcBef>
                 <a:spcPts val="0"/>
               </a:spcBef>
-              <a:buNone/>
-            </a:pPr>
+              <a:buClr>
+                <a:schemeClr val="dk2"/>
+              </a:buClr>
+              <a:buSzPct val="78571"/>
+              <a:buFont typeface="Arial"/>
+              <a:buNone/>
+            </a:pPr>
+            <a:r>
+              <a:rPr lang="pl" b="0" i="0" u="none" baseline="0" dirty="0">
+                <a:solidFill>
+                  <a:schemeClr val="dk2"/>
+                </a:solidFill>
+              </a:rPr>
+              <a:t>Notka od Chucka</a:t>
+            </a:r>
+            <a:r>
+              <a:rPr lang="en-US" b="0" i="0" u="none" baseline="0" dirty="0">
+                <a:solidFill>
+                  <a:schemeClr val="dk2"/>
+                </a:solidFill>
+              </a:rPr>
+              <a:t>:</a:t>
+            </a:r>
+            <a:r>
+              <a:rPr lang="pl" b="0" i="0" u="none" baseline="0" dirty="0">
+                <a:solidFill>
+                  <a:schemeClr val="dk2"/>
+                </a:solidFill>
+              </a:rPr>
+              <a:t> </a:t>
+            </a:r>
+            <a:r>
+              <a:rPr lang="en-US" b="0" i="0" u="none" baseline="0" dirty="0" err="1">
+                <a:solidFill>
+                  <a:schemeClr val="dk2"/>
+                </a:solidFill>
+              </a:rPr>
+              <a:t>uż</a:t>
+            </a:r>
+            <a:r>
+              <a:rPr lang="pl" b="0" i="0" u="none" baseline="0" dirty="0">
+                <a:solidFill>
+                  <a:schemeClr val="dk2"/>
+                </a:solidFill>
+              </a:rPr>
+              <a:t>ywając tych materiałów masz prawo usunąć logo UM i zastąpić je własnym</a:t>
+            </a:r>
+            <a:r>
+              <a:rPr lang="en-US" b="0" i="0" u="none" baseline="0" dirty="0">
+                <a:solidFill>
+                  <a:schemeClr val="dk2"/>
+                </a:solidFill>
+              </a:rPr>
+              <a:t>,</a:t>
+            </a:r>
             <a:r>
               <a:rPr lang="pl" b="0" i="0" u="none" baseline="0">
                 <a:solidFill>
                   <a:schemeClr val="dk2"/>
                 </a:solidFill>
               </a:rPr>
-              <a:t>Notka od Chucka  Używając tych materiałów masz prawo usunąć logo UM i zastąpić je własnym ale zostaw proszę logo CC-BY na pierwszej stronie oraz strony z podziękowaniami dla współtwórców.</a:t>
+              <a:t> ale zostaw proszę logo CC-BY na pierwszej stronie oraz strony z podziękowaniami dla współtwórców.</a:t>
             </a:r>
             <a:endParaRPr lang="pl" dirty="0">
               <a:solidFill>
@@ -2930,7 +2983,7 @@
               </a:spcBef>
               <a:buNone/>
             </a:pPr>
-            <a:endParaRPr/>
+            <a:endParaRPr dirty="0"/>
           </a:p>
         </p:txBody>
       </p:sp>
@@ -5874,7 +5927,7 @@
               <a:buFont typeface="Cabin"/>
             </a:pPr>
             <a:r>
-              <a:rPr lang="pl" sz="3400" b="0" i="0" u="none" strike="noStrike" cap="none" baseline="0">
+              <a:rPr lang="pl" sz="3400" b="0" i="0" u="none" strike="noStrike" cap="none" baseline="0" dirty="0">
                 <a:solidFill>
                   <a:schemeClr val="lt1"/>
                 </a:solidFill>
@@ -5886,7 +5939,7 @@
               <a:t>Funkcja </a:t>
             </a:r>
             <a:r>
-              <a:rPr lang="pl" sz="3400" b="0" i="0" u="none" strike="noStrike" cap="none" baseline="0">
+              <a:rPr lang="pl" sz="3400" b="0" i="0" u="none" strike="noStrike" cap="none" baseline="0" dirty="0">
                 <a:solidFill>
                   <a:srgbClr val="FF00FF"/>
                 </a:solidFill>
@@ -5898,7 +5951,7 @@
               <a:t>len()</a:t>
             </a:r>
             <a:r>
-              <a:rPr lang="pl" sz="3400" b="0" i="0" u="none" strike="noStrike" cap="none" baseline="0">
+              <a:rPr lang="pl" sz="3400" b="0" i="0" u="none" strike="noStrike" cap="none" baseline="0" dirty="0">
                 <a:solidFill>
                   <a:schemeClr val="lt1"/>
                 </a:solidFill>
@@ -5910,7 +5963,7 @@
               <a:t> przyjmuje </a:t>
             </a:r>
             <a:r>
-              <a:rPr lang="pl" sz="3400" b="0" i="0" u="none" strike="noStrike" cap="none" baseline="0">
+              <a:rPr lang="pl" sz="3400" b="0" i="0" u="none" strike="noStrike" cap="none" baseline="0" dirty="0">
                 <a:solidFill>
                   <a:srgbClr val="FF7F00"/>
                 </a:solidFill>
@@ -5922,7 +5975,7 @@
               <a:t>listę</a:t>
             </a:r>
             <a:r>
-              <a:rPr lang="pl" sz="3400" b="0" i="0" u="none" strike="noStrike" cap="none" baseline="0">
+              <a:rPr lang="pl" sz="3400" b="0" i="0" u="none" strike="noStrike" cap="none" baseline="0" dirty="0">
                 <a:solidFill>
                   <a:schemeClr val="lt1"/>
                 </a:solidFill>
@@ -5934,7 +5987,7 @@
               <a:t> jako parametr i zwraca liczbę </a:t>
             </a:r>
             <a:r>
-              <a:rPr lang="pl" sz="3400" b="0" i="0" u="none" strike="noStrike" cap="none" baseline="0">
+              <a:rPr lang="pl" sz="3400" b="0" i="0" u="none" strike="noStrike" cap="none" baseline="0" dirty="0">
                 <a:solidFill>
                   <a:srgbClr val="00FFFF"/>
                 </a:solidFill>
@@ -5946,7 +5999,7 @@
               <a:t>elementów</a:t>
             </a:r>
             <a:r>
-              <a:rPr lang="pl" sz="3400" b="0" i="0" u="none" strike="noStrike" cap="none" baseline="0">
+              <a:rPr lang="pl" sz="3400" b="0" i="0" u="none" strike="noStrike" cap="none" baseline="0" dirty="0">
                 <a:solidFill>
                   <a:schemeClr val="lt1"/>
                 </a:solidFill>
@@ -5958,7 +6011,7 @@
               <a:t> na </a:t>
             </a:r>
             <a:r>
-              <a:rPr lang="pl" sz="3400" b="0" i="0" u="none" strike="noStrike" cap="none" baseline="0">
+              <a:rPr lang="pl" sz="3400" b="0" i="0" u="none" strike="noStrike" cap="none" baseline="0" dirty="0">
                 <a:solidFill>
                   <a:srgbClr val="FF7F00"/>
                 </a:solidFill>
@@ -5985,7 +6038,7 @@
               <a:buFont typeface="Cabin"/>
             </a:pPr>
             <a:r>
-              <a:rPr lang="pl" sz="3400" b="0" i="0" u="none" strike="noStrike" cap="none" baseline="0">
+              <a:rPr lang="pl" sz="3400" b="0" i="0" u="none" strike="noStrike" cap="none" baseline="0" dirty="0">
                 <a:solidFill>
                   <a:schemeClr val="lt1"/>
                 </a:solidFill>
@@ -5997,7 +6050,7 @@
               <a:t>Tak naprawdę </a:t>
             </a:r>
             <a:r>
-              <a:rPr lang="pl" sz="3400" b="0" i="0" u="none" strike="noStrike" cap="none" baseline="0">
+              <a:rPr lang="pl" sz="3400" b="0" i="0" u="none" strike="noStrike" cap="none" baseline="0" dirty="0">
                 <a:solidFill>
                   <a:srgbClr val="FF00FF"/>
                 </a:solidFill>
@@ -6009,7 +6062,7 @@
               <a:t>len()</a:t>
             </a:r>
             <a:r>
-              <a:rPr lang="pl" sz="3400" b="0" i="0" u="none" strike="noStrike" cap="none" baseline="0">
+              <a:rPr lang="pl" sz="3400" b="0" i="0" u="none" strike="noStrike" cap="none" baseline="0" dirty="0">
                 <a:solidFill>
                   <a:schemeClr val="lt1"/>
                 </a:solidFill>
@@ -6018,7 +6071,31 @@
                 <a:cs typeface="Arial" charset="0"/>
                 <a:sym typeface="Cabin"/>
               </a:rPr>
-              <a:t> poda nam liczbę elementów dowolnej sekwencji (takiej jak ciąg znaków...)</a:t>
+              <a:t> poda nam liczbę elementów dowolnej sekwencji (takiej jak </a:t>
+            </a:r>
+            <a:r>
+              <a:rPr lang="pl-PL" sz="3400" b="0" i="0" u="none" strike="noStrike" cap="none" baseline="0" dirty="0">
+                <a:solidFill>
+                  <a:schemeClr val="lt1"/>
+                </a:solidFill>
+                <a:latin typeface="Arial" charset="0"/>
+                <a:ea typeface="Arial" charset="0"/>
+                <a:cs typeface="Arial" charset="0"/>
+                <a:sym typeface="Cabin"/>
+              </a:rPr>
+              <a:t>napis</a:t>
+            </a:r>
+            <a:r>
+              <a:rPr lang="pl" sz="3400" b="0" i="0" u="none" strike="noStrike" cap="none" baseline="0" dirty="0">
+                <a:solidFill>
+                  <a:schemeClr val="lt1"/>
+                </a:solidFill>
+                <a:latin typeface="Arial" charset="0"/>
+                <a:ea typeface="Arial" charset="0"/>
+                <a:cs typeface="Arial" charset="0"/>
+                <a:sym typeface="Cabin"/>
+              </a:rPr>
+              <a:t>...)</a:t>
             </a:r>
           </a:p>
         </p:txBody>
@@ -12338,7 +12415,31 @@
                 <a:cs typeface="Arial" charset="0"/>
                 <a:sym typeface="Cabin"/>
               </a:rPr>
-              <a:t> (inaczej niż w przypadku ciągów) oznacza </a:t>
+              <a:t> (inaczej niż w przypadku </a:t>
+            </a:r>
+            <a:r>
+              <a:rPr lang="pl-PL" sz="2800" b="0" i="0" u="none" strike="noStrike" cap="none" baseline="0" dirty="0">
+                <a:solidFill>
+                  <a:schemeClr val="lt1"/>
+                </a:solidFill>
+                <a:latin typeface="Arial" charset="0"/>
+                <a:ea typeface="Arial" charset="0"/>
+                <a:cs typeface="Arial" charset="0"/>
+                <a:sym typeface="Cabin"/>
+              </a:rPr>
+              <a:t>napisów</a:t>
+            </a:r>
+            <a:r>
+              <a:rPr lang="pl" sz="2800" b="0" i="0" u="none" strike="noStrike" cap="none" baseline="0" dirty="0">
+                <a:solidFill>
+                  <a:schemeClr val="lt1"/>
+                </a:solidFill>
+                <a:latin typeface="Arial" charset="0"/>
+                <a:ea typeface="Arial" charset="0"/>
+                <a:cs typeface="Arial" charset="0"/>
+                <a:sym typeface="Cabin"/>
+              </a:rPr>
+              <a:t>) oznacza </a:t>
             </a:r>
             <a:r>
               <a:rPr lang="pl" sz="2800" b="0" i="0" u="none" baseline="0" dirty="0">
@@ -12968,7 +13069,7 @@
                 <a:cs typeface="Arial" charset="0"/>
                 <a:sym typeface="Cabin"/>
               </a:rPr>
-              <a:t> wbudowanych w  </a:t>
+              <a:t> wbudowanych w </a:t>
             </a:r>
             <a:r>
               <a:rPr lang="pl" sz="3400" b="0" i="0" u="none" strike="noStrike" cap="none" baseline="0" dirty="0">
@@ -15418,6 +15519,10 @@
           </p:nvPr>
         </p:nvSpPr>
         <p:spPr>
+          <a:xfrm>
+            <a:off x="778013" y="789709"/>
+            <a:ext cx="14687274" cy="1750290"/>
+          </a:xfrm>
           <a:prstGeom prst="rect">
             <a:avLst/>
           </a:prstGeom>
@@ -15450,7 +15555,7 @@
               <a:buNone/>
             </a:pPr>
             <a:r>
-              <a:rPr lang="pl" sz="7600" b="0" i="0" u="none" strike="noStrike" cap="none" baseline="0">
+              <a:rPr lang="pl" sz="7600" b="0" i="0" u="none" strike="noStrike" cap="none" baseline="0" dirty="0">
                 <a:solidFill>
                   <a:srgbClr val="FFD966"/>
                 </a:solidFill>
@@ -15459,7 +15564,31 @@
                 <a:cs typeface="Arial" charset="0"/>
                 <a:sym typeface="Cabin"/>
               </a:rPr>
-              <a:t>Najlepsi przyjaciele: ciągi i listy</a:t>
+              <a:t>Najlepsi przyjaciele: </a:t>
+            </a:r>
+            <a:r>
+              <a:rPr lang="en-US" sz="7600" b="0" i="0" u="none" strike="noStrike" cap="none" baseline="0" dirty="0" err="1">
+                <a:solidFill>
+                  <a:srgbClr val="FFD966"/>
+                </a:solidFill>
+                <a:latin typeface="Arial" charset="0"/>
+                <a:ea typeface="Arial" charset="0"/>
+                <a:cs typeface="Arial" charset="0"/>
+                <a:sym typeface="Cabin"/>
+              </a:rPr>
+              <a:t>napisy</a:t>
+            </a:r>
+            <a:r>
+              <a:rPr lang="pl" sz="7600" b="0" i="0" u="none" strike="noStrike" cap="none" baseline="0" dirty="0">
+                <a:solidFill>
+                  <a:srgbClr val="FFD966"/>
+                </a:solidFill>
+                <a:latin typeface="Arial" charset="0"/>
+                <a:ea typeface="Arial" charset="0"/>
+                <a:cs typeface="Arial" charset="0"/>
+                <a:sym typeface="Cabin"/>
+              </a:rPr>
+              <a:t> i listy</a:t>
             </a:r>
           </a:p>
         </p:txBody>
@@ -16592,7 +16721,7 @@
               <a:buNone/>
             </a:pPr>
             <a:r>
-              <a:rPr lang="en-US" sz="3400" b="0" i="0" u="none" strike="noStrike" cap="none" baseline="0" dirty="0" err="1">
+              <a:rPr lang="pl-PL" sz="3400" b="0" i="0" u="none" strike="noStrike" cap="none" baseline="0" dirty="0">
                 <a:solidFill>
                   <a:schemeClr val="bg1"/>
                 </a:solidFill>
@@ -16649,7 +16778,67 @@
                 <a:cs typeface="Arial" charset="0"/>
                 <a:sym typeface="Cabin"/>
               </a:rPr>
-              <a:t> dzieli ciąg znaków na części i tworzy listę ciągów. Myślimy o nich jak o słowach. Możemy </a:t>
+              <a:t> dzieli </a:t>
+            </a:r>
+            <a:r>
+              <a:rPr lang="pl-PL" sz="3400" b="0" i="0" u="none" strike="noStrike" cap="none" baseline="0" dirty="0">
+                <a:solidFill>
+                  <a:schemeClr val="lt1"/>
+                </a:solidFill>
+                <a:latin typeface="Arial" charset="0"/>
+                <a:ea typeface="Arial" charset="0"/>
+                <a:cs typeface="Arial" charset="0"/>
+                <a:sym typeface="Cabin"/>
+              </a:rPr>
+              <a:t>napis</a:t>
+            </a:r>
+            <a:r>
+              <a:rPr lang="en-US" sz="3400" b="0" i="0" u="none" strike="noStrike" cap="none" baseline="0" dirty="0">
+                <a:solidFill>
+                  <a:schemeClr val="lt1"/>
+                </a:solidFill>
+                <a:latin typeface="Arial" charset="0"/>
+                <a:ea typeface="Arial" charset="0"/>
+                <a:cs typeface="Arial" charset="0"/>
+                <a:sym typeface="Cabin"/>
+              </a:rPr>
+              <a:t> </a:t>
+            </a:r>
+            <a:r>
+              <a:rPr lang="pl" sz="3400" b="0" i="0" u="none" strike="noStrike" cap="none" baseline="0" dirty="0">
+                <a:solidFill>
+                  <a:schemeClr val="lt1"/>
+                </a:solidFill>
+                <a:latin typeface="Arial" charset="0"/>
+                <a:ea typeface="Arial" charset="0"/>
+                <a:cs typeface="Arial" charset="0"/>
+                <a:sym typeface="Cabin"/>
+              </a:rPr>
+              <a:t>na części i tworzy listę </a:t>
+            </a:r>
+            <a:r>
+              <a:rPr lang="pl-PL" sz="3400" b="0" i="0" u="none" strike="noStrike" cap="none" baseline="0" dirty="0">
+                <a:solidFill>
+                  <a:schemeClr val="lt1"/>
+                </a:solidFill>
+                <a:latin typeface="Arial" charset="0"/>
+                <a:ea typeface="Arial" charset="0"/>
+                <a:cs typeface="Arial" charset="0"/>
+                <a:sym typeface="Cabin"/>
+              </a:rPr>
+              <a:t>napisów</a:t>
+            </a:r>
+            <a:r>
+              <a:rPr lang="pl" sz="3400" b="0" i="0" u="none" strike="noStrike" cap="none" baseline="0" dirty="0">
+                <a:solidFill>
+                  <a:schemeClr val="lt1"/>
+                </a:solidFill>
+                <a:latin typeface="Arial" charset="0"/>
+                <a:ea typeface="Arial" charset="0"/>
+                <a:cs typeface="Arial" charset="0"/>
+                <a:sym typeface="Cabin"/>
+              </a:rPr>
+              <a:t>. Myślimy o nich jak o słowach. Możemy </a:t>
             </a:r>
             <a:r>
               <a:rPr lang="pl" sz="3400" b="0" i="0" u="none" strike="noStrike" cap="none" baseline="0" dirty="0">
@@ -21612,7 +21801,7 @@
               <a:buChar char="•"/>
             </a:pPr>
             <a:r>
-              <a:rPr lang="pl" sz="3600" b="0" i="0" u="none" baseline="0">
+              <a:rPr lang="pl" sz="3600" b="0" i="0" u="none" baseline="0" dirty="0">
                 <a:solidFill>
                   <a:srgbClr val="FFFFFF"/>
                 </a:solidFill>
@@ -21637,7 +21826,7 @@
               <a:buChar char="•"/>
             </a:pPr>
             <a:r>
-              <a:rPr lang="pl" sz="3600" b="0" i="0" u="none" baseline="0">
+              <a:rPr lang="pl" sz="3600" b="0" i="0" u="none" baseline="0" dirty="0">
                 <a:solidFill>
                   <a:srgbClr val="FFFFFF"/>
                 </a:solidFill>
@@ -21662,7 +21851,7 @@
               <a:buChar char="•"/>
             </a:pPr>
             <a:r>
-              <a:rPr lang="pl" sz="3600" b="0" i="0" u="none" baseline="0">
+              <a:rPr lang="pl" sz="3600" b="0" i="0" u="none" baseline="0" dirty="0">
                 <a:solidFill>
                   <a:srgbClr val="FFFFFF"/>
                 </a:solidFill>
@@ -21687,7 +21876,7 @@
               <a:buChar char="•"/>
             </a:pPr>
             <a:r>
-              <a:rPr lang="pl" sz="3600" b="0" i="0" u="none" baseline="0">
+              <a:rPr lang="pl" sz="3600" b="0" i="0" u="none" baseline="0" dirty="0">
                 <a:solidFill>
                   <a:srgbClr val="FFFFFF"/>
                 </a:solidFill>
@@ -21696,23 +21885,10 @@
                 <a:cs typeface="Arial" charset="0"/>
                 <a:sym typeface="Cabin"/>
               </a:rPr>
-              <a:t>Dzielenie ciągów znaków na listy słów</a:t>
-            </a:r>
-          </a:p>
-          <a:p>
-            <a:pPr marL="685800" lvl="0" indent="-394462" algn="l" rtl="0">
-              <a:spcBef>
-                <a:spcPts val="3500"/>
-              </a:spcBef>
-              <a:buClr>
-                <a:srgbClr val="FFFFFF"/>
-              </a:buClr>
-              <a:buSzPct val="100000"/>
-              <a:buFont typeface="Cabin"/>
-              <a:buChar char="•"/>
-            </a:pPr>
-            <a:r>
-              <a:rPr lang="pl" sz="3600" b="0" i="0" u="none" baseline="0">
+              <a:t>Dzielenie </a:t>
+            </a:r>
+            <a:r>
+              <a:rPr lang="pl-PL" sz="3600" b="0" i="0" u="none" baseline="0" dirty="0">
                 <a:solidFill>
                   <a:srgbClr val="FFFFFF"/>
                 </a:solidFill>
@@ -21721,7 +21897,56 @@
                 <a:cs typeface="Arial" charset="0"/>
                 <a:sym typeface="Cabin"/>
               </a:rPr>
-              <a:t>Używanie split do parsowania ciągów</a:t>
+              <a:t>napisów</a:t>
+            </a:r>
+            <a:r>
+              <a:rPr lang="pl" sz="3600" b="0" i="0" u="none" baseline="0" dirty="0">
+                <a:solidFill>
+                  <a:srgbClr val="FFFFFF"/>
+                </a:solidFill>
+                <a:latin typeface="Arial" charset="0"/>
+                <a:ea typeface="Arial" charset="0"/>
+                <a:cs typeface="Arial" charset="0"/>
+                <a:sym typeface="Cabin"/>
+              </a:rPr>
+              <a:t> na listy słów</a:t>
+            </a:r>
+          </a:p>
+          <a:p>
+            <a:pPr marL="685800" lvl="0" indent="-394462" algn="l" rtl="0">
+              <a:spcBef>
+                <a:spcPts val="3500"/>
+              </a:spcBef>
+              <a:buClr>
+                <a:srgbClr val="FFFFFF"/>
+              </a:buClr>
+              <a:buSzPct val="100000"/>
+              <a:buFont typeface="Cabin"/>
+              <a:buChar char="•"/>
+            </a:pPr>
+            <a:r>
+              <a:rPr lang="pl" sz="3600" b="0" i="0" u="none" baseline="0" dirty="0">
+                <a:solidFill>
+                  <a:srgbClr val="FFFFFF"/>
+                </a:solidFill>
+                <a:latin typeface="Arial" charset="0"/>
+                <a:ea typeface="Arial" charset="0"/>
+                <a:cs typeface="Arial" charset="0"/>
+                <a:sym typeface="Cabin"/>
+              </a:rPr>
+              <a:t>Używanie split do parsowania </a:t>
+            </a:r>
+            <a:r>
+              <a:rPr lang="pl-PL" sz="3600" b="0" i="0" u="none" baseline="0" dirty="0">
+                <a:solidFill>
+                  <a:srgbClr val="FFFFFF"/>
+                </a:solidFill>
+                <a:latin typeface="Arial" charset="0"/>
+                <a:ea typeface="Arial" charset="0"/>
+                <a:cs typeface="Arial" charset="0"/>
+                <a:sym typeface="Cabin"/>
+              </a:rPr>
+              <a:t>napisów</a:t>
             </a:r>
           </a:p>
         </p:txBody>
@@ -23348,7 +23573,7 @@
               <a:buFont typeface="Cabin"/>
             </a:pPr>
             <a:r>
-              <a:rPr lang="pl" sz="3400" b="0" i="0" u="none" strike="noStrike" cap="none" baseline="0">
+              <a:rPr lang="pl" sz="3400" b="0" i="0" u="none" strike="noStrike" cap="none" baseline="0" dirty="0">
                 <a:solidFill>
                   <a:srgbClr val="FF7F00"/>
                 </a:solidFill>
@@ -23360,7 +23585,7 @@
               <a:t>Stałe będące listami</a:t>
             </a:r>
             <a:r>
-              <a:rPr lang="pl" sz="3400" b="0" i="0" u="none" strike="noStrike" cap="none" baseline="0">
+              <a:rPr lang="pl" sz="3400" b="0" i="0" u="none" strike="noStrike" cap="none" baseline="0" dirty="0">
                 <a:solidFill>
                   <a:schemeClr val="lt1"/>
                 </a:solidFill>
@@ -23387,7 +23612,7 @@
               <a:buFont typeface="Cabin"/>
             </a:pPr>
             <a:r>
-              <a:rPr lang="pl" sz="3400" b="0" i="0" u="none" strike="noStrike" cap="none" baseline="0">
+              <a:rPr lang="pl" sz="3400" b="0" i="0" u="none" strike="noStrike" cap="none" baseline="0" dirty="0">
                 <a:solidFill>
                   <a:schemeClr val="lt1"/>
                 </a:solidFill>
@@ -23399,7 +23624,7 @@
               <a:t>Elementem </a:t>
             </a:r>
             <a:r>
-              <a:rPr lang="pl" sz="3400" b="0" i="0" u="none" strike="noStrike" cap="none" baseline="0">
+              <a:rPr lang="pl" sz="3400" b="0" i="0" u="none" strike="noStrike" cap="none" baseline="0" dirty="0">
                 <a:solidFill>
                   <a:srgbClr val="FF7F00"/>
                 </a:solidFill>
@@ -23411,7 +23636,7 @@
               <a:t>listy</a:t>
             </a:r>
             <a:r>
-              <a:rPr lang="pl" sz="3400" b="0" i="0" u="none" strike="noStrike" cap="none" baseline="0">
+              <a:rPr lang="pl" sz="3400" b="0" i="0" u="none" strike="noStrike" cap="none" baseline="0" dirty="0">
                 <a:solidFill>
                   <a:schemeClr val="lt1"/>
                 </a:solidFill>
@@ -23423,7 +23648,7 @@
               <a:t> może być dowolny obiekt Pythona, nawet </a:t>
             </a:r>
             <a:r>
-              <a:rPr lang="pl" sz="3400" b="0" i="0" u="none" strike="noStrike" cap="none" baseline="0">
+              <a:rPr lang="pl" sz="3400" b="0" i="0" u="none" strike="noStrike" cap="none" baseline="0" dirty="0">
                 <a:solidFill>
                   <a:srgbClr val="00FFFF"/>
                 </a:solidFill>
@@ -23450,7 +23675,7 @@
               <a:buFont typeface="Cabin"/>
             </a:pPr>
             <a:r>
-              <a:rPr lang="pl" sz="3400" b="0" i="0" u="none" strike="noStrike" cap="none" baseline="0">
+              <a:rPr lang="en-US" sz="3400" dirty="0">
                 <a:solidFill>
                   <a:srgbClr val="FF7F00"/>
                 </a:solidFill>
@@ -23459,10 +23684,22 @@
                 <a:cs typeface="Arial" charset="0"/>
                 <a:sym typeface="Cabin"/>
               </a:rPr>
-              <a:t>lista</a:t>
-            </a:r>
-            <a:r>
-              <a:rPr lang="pl" sz="3400" b="0" i="0" u="none" strike="noStrike" cap="none" baseline="0">
+              <a:t>L</a:t>
+            </a:r>
+            <a:r>
+              <a:rPr lang="pl" sz="3400" b="0" i="0" u="none" strike="noStrike" cap="none" baseline="0" dirty="0">
+                <a:solidFill>
+                  <a:srgbClr val="FF7F00"/>
+                </a:solidFill>
+                <a:latin typeface="Arial" charset="0"/>
+                <a:ea typeface="Arial" charset="0"/>
+                <a:cs typeface="Arial" charset="0"/>
+                <a:sym typeface="Cabin"/>
+              </a:rPr>
+              <a:t>ista</a:t>
+            </a:r>
+            <a:r>
+              <a:rPr lang="pl" sz="3400" b="0" i="0" u="none" strike="noStrike" cap="none" baseline="0" dirty="0">
                 <a:solidFill>
                   <a:schemeClr val="lt1"/>
                 </a:solidFill>
@@ -25837,7 +26074,7 @@
               <a:buNone/>
             </a:pPr>
             <a:r>
-              <a:rPr lang="pl" sz="3600" b="0" i="0" u="none" strike="noStrike" cap="none" baseline="0">
+              <a:rPr lang="pl" sz="3600" b="0" i="0" u="none" strike="noStrike" cap="none" baseline="0" dirty="0">
                 <a:solidFill>
                   <a:schemeClr val="lt1"/>
                 </a:solidFill>
@@ -25846,10 +26083,34 @@
                 <a:cs typeface="Arial" charset="0"/>
                 <a:sym typeface="Cabin"/>
               </a:rPr>
-              <a:t>Tak jak w przypadku ciągów znaków, możemy wybrać dowolny element z listy za pomocą indeksu określonego w</a:t>
-            </a:r>
-            <a:r>
-              <a:rPr lang="pl" sz="3600" b="0" i="0" u="none" strike="noStrike" cap="none" baseline="0">
+              <a:t>Tak jak w przypadku </a:t>
+            </a:r>
+            <a:r>
+              <a:rPr lang="pl-PL" sz="3600" b="0" i="0" u="none" strike="noStrike" cap="none" baseline="0" dirty="0">
+                <a:solidFill>
+                  <a:schemeClr val="lt1"/>
+                </a:solidFill>
+                <a:latin typeface="Arial" charset="0"/>
+                <a:ea typeface="Arial" charset="0"/>
+                <a:cs typeface="Arial" charset="0"/>
+                <a:sym typeface="Cabin"/>
+              </a:rPr>
+              <a:t>napisów</a:t>
+            </a:r>
+            <a:r>
+              <a:rPr lang="pl" sz="3600" b="0" i="0" u="none" strike="noStrike" cap="none" baseline="0" dirty="0">
+                <a:solidFill>
+                  <a:schemeClr val="lt1"/>
+                </a:solidFill>
+                <a:latin typeface="Arial" charset="0"/>
+                <a:ea typeface="Arial" charset="0"/>
+                <a:cs typeface="Arial" charset="0"/>
+                <a:sym typeface="Cabin"/>
+              </a:rPr>
+              <a:t>, możemy wybrać dowolny element z listy za pomocą indeksu określonego w</a:t>
+            </a:r>
+            <a:r>
+              <a:rPr lang="pl" sz="3600" b="0" i="0" u="none" strike="noStrike" cap="none" baseline="0" dirty="0">
                 <a:solidFill>
                   <a:srgbClr val="00FFFF"/>
                 </a:solidFill>
@@ -26655,7 +26916,7 @@
               <a:buFont typeface="Cabin"/>
             </a:pPr>
             <a:r>
-              <a:rPr lang="pl" sz="3400" b="0" i="0" u="none" strike="noStrike" cap="none" baseline="0" dirty="0">
+              <a:rPr lang="pl-PL" sz="3400" b="0" i="0" u="none" strike="noStrike" cap="none" baseline="0" dirty="0">
                 <a:solidFill>
                   <a:schemeClr val="lt1"/>
                 </a:solidFill>
@@ -26664,10 +26925,10 @@
                 <a:cs typeface="Arial" charset="0"/>
                 <a:sym typeface="Cabin"/>
               </a:rPr>
-              <a:t>Ciągi znaków są </a:t>
-            </a:r>
-            <a:r>
-              <a:rPr lang="pl" sz="3400" b="0" i="0" u="none" baseline="0" dirty="0">
+              <a:t>Napisy</a:t>
+            </a:r>
+            <a:r>
+              <a:rPr lang="en-US" sz="3400" b="0" i="0" u="none" strike="noStrike" cap="none" baseline="0" dirty="0">
                 <a:solidFill>
                   <a:schemeClr val="lt1"/>
                 </a:solidFill>
@@ -26676,19 +26937,19 @@
                 <a:cs typeface="Arial" charset="0"/>
                 <a:sym typeface="Cabin"/>
               </a:rPr>
-              <a:t>“</a:t>
+              <a:t> </a:t>
             </a:r>
             <a:r>
               <a:rPr lang="pl" sz="3400" b="0" i="0" u="none" strike="noStrike" cap="none" baseline="0" dirty="0">
                 <a:solidFill>
-                  <a:srgbClr val="00FF00"/>
+                  <a:schemeClr val="lt1"/>
                 </a:solidFill>
                 <a:latin typeface="Arial" charset="0"/>
                 <a:ea typeface="Arial" charset="0"/>
                 <a:cs typeface="Arial" charset="0"/>
                 <a:sym typeface="Cabin"/>
               </a:rPr>
-              <a:t>niezmienne</a:t>
+              <a:t>są </a:t>
             </a:r>
             <a:r>
               <a:rPr lang="pl" sz="3400" b="0" i="0" u="none" baseline="0" dirty="0">
@@ -26700,31 +26961,22 @@
                 <a:cs typeface="Arial" charset="0"/>
                 <a:sym typeface="Cabin"/>
               </a:rPr>
-              <a:t>”</a:t>
+              <a:t>“</a:t>
             </a:r>
             <a:r>
               <a:rPr lang="pl" sz="3400" b="0" i="0" u="none" strike="noStrike" cap="none" baseline="0" dirty="0">
                 <a:solidFill>
-                  <a:schemeClr val="lt1"/>
+                  <a:srgbClr val="00FF00"/>
                 </a:solidFill>
                 <a:latin typeface="Arial" charset="0"/>
                 <a:ea typeface="Arial" charset="0"/>
                 <a:cs typeface="Arial" charset="0"/>
                 <a:sym typeface="Cabin"/>
               </a:rPr>
-              <a:t> </a:t>
-            </a:r>
-            <a:r>
-              <a:rPr lang="pl" sz="3600" b="0" i="0" u="none" baseline="0" dirty="0">
-                <a:solidFill>
-                  <a:srgbClr val="FFFFFF"/>
-                </a:solidFill>
-                <a:sym typeface="Cabin"/>
-              </a:rPr>
-              <a:t>–</a:t>
-            </a:r>
-            <a:r>
-              <a:rPr lang="pl" sz="3400" b="0" i="0" u="none" strike="noStrike" cap="none" baseline="0" dirty="0">
+              <a:t>niezmienne</a:t>
+            </a:r>
+            <a:r>
+              <a:rPr lang="pl" sz="3400" b="0" i="0" u="none" baseline="0" dirty="0">
                 <a:solidFill>
                   <a:schemeClr val="lt1"/>
                 </a:solidFill>
@@ -26733,16 +26985,7 @@
                 <a:cs typeface="Arial" charset="0"/>
                 <a:sym typeface="Cabin"/>
               </a:rPr>
-              <a:t> nie możemy zmienić zawartości ciągu </a:t>
-            </a:r>
-            <a:r>
-              <a:rPr lang="pl" sz="3600" b="0" i="0" u="none" baseline="0" dirty="0">
-                <a:solidFill>
-                  <a:srgbClr val="FFFFFF"/>
-                </a:solidFill>
-                <a:sym typeface="Cabin"/>
-              </a:rPr>
-              <a:t>–</a:t>
+              <a:t>”</a:t>
             </a:r>
             <a:r>
               <a:rPr lang="pl" sz="3400" b="0" i="0" u="none" strike="noStrike" cap="none" baseline="0" dirty="0">
@@ -26754,19 +26997,97 @@
                 <a:cs typeface="Arial" charset="0"/>
                 <a:sym typeface="Cabin"/>
               </a:rPr>
-              <a:t> musimy stworzyć </a:t>
+              <a:t> </a:t>
+            </a:r>
+            <a:r>
+              <a:rPr lang="pl" sz="3600" b="0" i="0" u="none" baseline="0" dirty="0">
+                <a:solidFill>
+                  <a:srgbClr val="FFFFFF"/>
+                </a:solidFill>
+                <a:sym typeface="Cabin"/>
+              </a:rPr>
+              <a:t>–</a:t>
             </a:r>
             <a:r>
               <a:rPr lang="pl" sz="3400" b="0" i="0" u="none" strike="noStrike" cap="none" baseline="0" dirty="0">
                 <a:solidFill>
-                  <a:srgbClr val="FF00FF"/>
+                  <a:schemeClr val="lt1"/>
                 </a:solidFill>
                 <a:latin typeface="Arial" charset="0"/>
                 <a:ea typeface="Arial" charset="0"/>
                 <a:cs typeface="Arial" charset="0"/>
                 <a:sym typeface="Cabin"/>
               </a:rPr>
-              <a:t>nowy ciąg</a:t>
+              <a:t> nie możemy zmienić zawartości </a:t>
+            </a:r>
+            <a:r>
+              <a:rPr lang="pl-PL" sz="3400" b="0" i="0" u="none" strike="noStrike" cap="none" baseline="0" dirty="0">
+                <a:solidFill>
+                  <a:schemeClr val="lt1"/>
+                </a:solidFill>
+                <a:latin typeface="Arial" charset="0"/>
+                <a:ea typeface="Arial" charset="0"/>
+                <a:cs typeface="Arial" charset="0"/>
+                <a:sym typeface="Cabin"/>
+              </a:rPr>
+              <a:t>napisu</a:t>
+            </a:r>
+            <a:r>
+              <a:rPr lang="pl" sz="3400" b="0" i="0" u="none" strike="noStrike" cap="none" baseline="0" dirty="0">
+                <a:solidFill>
+                  <a:schemeClr val="lt1"/>
+                </a:solidFill>
+                <a:latin typeface="Arial" charset="0"/>
+                <a:ea typeface="Arial" charset="0"/>
+                <a:cs typeface="Arial" charset="0"/>
+                <a:sym typeface="Cabin"/>
+              </a:rPr>
+              <a:t> </a:t>
+            </a:r>
+            <a:r>
+              <a:rPr lang="pl" sz="3600" b="0" i="0" u="none" baseline="0" dirty="0">
+                <a:solidFill>
+                  <a:srgbClr val="FFFFFF"/>
+                </a:solidFill>
+                <a:sym typeface="Cabin"/>
+              </a:rPr>
+              <a:t>–</a:t>
+            </a:r>
+            <a:r>
+              <a:rPr lang="pl" sz="3400" b="0" i="0" u="none" strike="noStrike" cap="none" baseline="0" dirty="0">
+                <a:solidFill>
+                  <a:schemeClr val="lt1"/>
+                </a:solidFill>
+                <a:latin typeface="Arial" charset="0"/>
+                <a:ea typeface="Arial" charset="0"/>
+                <a:cs typeface="Arial" charset="0"/>
+                <a:sym typeface="Cabin"/>
+              </a:rPr>
+              <a:t> musimy stworzyć </a:t>
+            </a:r>
+            <a:r>
+              <a:rPr lang="pl" sz="3400" b="0" i="0" u="none" strike="noStrike" cap="none" baseline="0" dirty="0">
+                <a:solidFill>
+                  <a:srgbClr val="FF00FF"/>
+                </a:solidFill>
+                <a:latin typeface="Arial" charset="0"/>
+                <a:ea typeface="Arial" charset="0"/>
+                <a:cs typeface="Arial" charset="0"/>
+                <a:sym typeface="Cabin"/>
+              </a:rPr>
+              <a:t>nowy </a:t>
+            </a:r>
+            <a:r>
+              <a:rPr lang="pl-PL" sz="3400" b="0" i="0" u="none" strike="noStrike" cap="none" baseline="0" dirty="0">
+                <a:solidFill>
+                  <a:srgbClr val="FF00FF"/>
+                </a:solidFill>
+                <a:latin typeface="Arial" charset="0"/>
+                <a:ea typeface="Arial" charset="0"/>
+                <a:cs typeface="Arial" charset="0"/>
+                <a:sym typeface="Cabin"/>
+              </a:rPr>
+              <a:t>napis</a:t>
             </a:r>
             <a:r>
               <a:rPr lang="pl" sz="3400" b="0" i="0" u="none" strike="noStrike" cap="none" baseline="0" dirty="0">
